--- a/DOC/Octree_2/Octree sequence diagram.pptx
+++ b/DOC/Octree_2/Octree sequence diagram.pptx
@@ -7,6 +7,11 @@
   <p:sldIdLst>
     <p:sldId id="256" r:id="rId2"/>
     <p:sldId id="257" r:id="rId3"/>
+    <p:sldId id="258" r:id="rId4"/>
+    <p:sldId id="259" r:id="rId5"/>
+    <p:sldId id="260" r:id="rId6"/>
+    <p:sldId id="261" r:id="rId7"/>
+    <p:sldId id="262" r:id="rId8"/>
   </p:sldIdLst>
   <p:sldSz cx="12192000" cy="6858000"/>
   <p:notesSz cx="6858000" cy="9144000"/>
@@ -260,7 +265,7 @@
           <a:p>
             <a:fld id="{9977766A-2BD7-4835-AE7C-304DE03EBB4F}" type="datetimeFigureOut">
               <a:rPr lang="ko-KR" altLang="en-US" smtClean="0"/>
-              <a:t>2022-08-23</a:t>
+              <a:t>2022-08-29</a:t>
             </a:fld>
             <a:endParaRPr lang="ko-KR" altLang="en-US"/>
           </a:p>
@@ -458,7 +463,7 @@
           <a:p>
             <a:fld id="{9977766A-2BD7-4835-AE7C-304DE03EBB4F}" type="datetimeFigureOut">
               <a:rPr lang="ko-KR" altLang="en-US" smtClean="0"/>
-              <a:t>2022-08-23</a:t>
+              <a:t>2022-08-29</a:t>
             </a:fld>
             <a:endParaRPr lang="ko-KR" altLang="en-US"/>
           </a:p>
@@ -666,7 +671,7 @@
           <a:p>
             <a:fld id="{9977766A-2BD7-4835-AE7C-304DE03EBB4F}" type="datetimeFigureOut">
               <a:rPr lang="ko-KR" altLang="en-US" smtClean="0"/>
-              <a:t>2022-08-23</a:t>
+              <a:t>2022-08-29</a:t>
             </a:fld>
             <a:endParaRPr lang="ko-KR" altLang="en-US"/>
           </a:p>
@@ -864,7 +869,7 @@
           <a:p>
             <a:fld id="{9977766A-2BD7-4835-AE7C-304DE03EBB4F}" type="datetimeFigureOut">
               <a:rPr lang="ko-KR" altLang="en-US" smtClean="0"/>
-              <a:t>2022-08-23</a:t>
+              <a:t>2022-08-29</a:t>
             </a:fld>
             <a:endParaRPr lang="ko-KR" altLang="en-US"/>
           </a:p>
@@ -1139,7 +1144,7 @@
           <a:p>
             <a:fld id="{9977766A-2BD7-4835-AE7C-304DE03EBB4F}" type="datetimeFigureOut">
               <a:rPr lang="ko-KR" altLang="en-US" smtClean="0"/>
-              <a:t>2022-08-23</a:t>
+              <a:t>2022-08-29</a:t>
             </a:fld>
             <a:endParaRPr lang="ko-KR" altLang="en-US"/>
           </a:p>
@@ -1404,7 +1409,7 @@
           <a:p>
             <a:fld id="{9977766A-2BD7-4835-AE7C-304DE03EBB4F}" type="datetimeFigureOut">
               <a:rPr lang="ko-KR" altLang="en-US" smtClean="0"/>
-              <a:t>2022-08-23</a:t>
+              <a:t>2022-08-29</a:t>
             </a:fld>
             <a:endParaRPr lang="ko-KR" altLang="en-US"/>
           </a:p>
@@ -1816,7 +1821,7 @@
           <a:p>
             <a:fld id="{9977766A-2BD7-4835-AE7C-304DE03EBB4F}" type="datetimeFigureOut">
               <a:rPr lang="ko-KR" altLang="en-US" smtClean="0"/>
-              <a:t>2022-08-23</a:t>
+              <a:t>2022-08-29</a:t>
             </a:fld>
             <a:endParaRPr lang="ko-KR" altLang="en-US"/>
           </a:p>
@@ -1957,7 +1962,7 @@
           <a:p>
             <a:fld id="{9977766A-2BD7-4835-AE7C-304DE03EBB4F}" type="datetimeFigureOut">
               <a:rPr lang="ko-KR" altLang="en-US" smtClean="0"/>
-              <a:t>2022-08-23</a:t>
+              <a:t>2022-08-29</a:t>
             </a:fld>
             <a:endParaRPr lang="ko-KR" altLang="en-US"/>
           </a:p>
@@ -2070,7 +2075,7 @@
           <a:p>
             <a:fld id="{9977766A-2BD7-4835-AE7C-304DE03EBB4F}" type="datetimeFigureOut">
               <a:rPr lang="ko-KR" altLang="en-US" smtClean="0"/>
-              <a:t>2022-08-23</a:t>
+              <a:t>2022-08-29</a:t>
             </a:fld>
             <a:endParaRPr lang="ko-KR" altLang="en-US"/>
           </a:p>
@@ -2381,7 +2386,7 @@
           <a:p>
             <a:fld id="{9977766A-2BD7-4835-AE7C-304DE03EBB4F}" type="datetimeFigureOut">
               <a:rPr lang="ko-KR" altLang="en-US" smtClean="0"/>
-              <a:t>2022-08-23</a:t>
+              <a:t>2022-08-29</a:t>
             </a:fld>
             <a:endParaRPr lang="ko-KR" altLang="en-US"/>
           </a:p>
@@ -2669,7 +2674,7 @@
           <a:p>
             <a:fld id="{9977766A-2BD7-4835-AE7C-304DE03EBB4F}" type="datetimeFigureOut">
               <a:rPr lang="ko-KR" altLang="en-US" smtClean="0"/>
-              <a:t>2022-08-23</a:t>
+              <a:t>2022-08-29</a:t>
             </a:fld>
             <a:endParaRPr lang="ko-KR" altLang="en-US"/>
           </a:p>
@@ -2910,7 +2915,7 @@
           <a:p>
             <a:fld id="{9977766A-2BD7-4835-AE7C-304DE03EBB4F}" type="datetimeFigureOut">
               <a:rPr lang="ko-KR" altLang="en-US" smtClean="0"/>
-              <a:t>2022-08-23</a:t>
+              <a:t>2022-08-29</a:t>
             </a:fld>
             <a:endParaRPr lang="ko-KR" altLang="en-US"/>
           </a:p>
@@ -3953,6 +3958,1479 @@
 </p:sld>
 </file>
 
+<file path=ppt/slides/slide3.xml><?xml version="1.0" encoding="utf-8"?>
+<p:sld xmlns:a="http://schemas.openxmlformats.org/drawingml/2006/main" xmlns:r="http://schemas.openxmlformats.org/officeDocument/2006/relationships" xmlns:p="http://schemas.openxmlformats.org/presentationml/2006/main">
+  <p:cSld>
+    <p:spTree>
+      <p:nvGrpSpPr>
+        <p:cNvPr id="1" name=""/>
+        <p:cNvGrpSpPr/>
+        <p:nvPr/>
+      </p:nvGrpSpPr>
+      <p:grpSpPr>
+        <a:xfrm>
+          <a:off x="0" y="0"/>
+          <a:ext cx="0" cy="0"/>
+          <a:chOff x="0" y="0"/>
+          <a:chExt cx="0" cy="0"/>
+        </a:xfrm>
+      </p:grpSpPr>
+      <p:sp>
+        <p:nvSpPr>
+          <p:cNvPr id="4" name="TextBox 3">
+            <a:extLst>
+              <a:ext uri="{FF2B5EF4-FFF2-40B4-BE49-F238E27FC236}">
+                <a16:creationId xmlns:a16="http://schemas.microsoft.com/office/drawing/2014/main" id="{3B10508A-09C7-E6D0-7900-01B44E73C819}"/>
+              </a:ext>
+            </a:extLst>
+          </p:cNvPr>
+          <p:cNvSpPr txBox="1"/>
+          <p:nvPr/>
+        </p:nvSpPr>
+        <p:spPr>
+          <a:xfrm>
+            <a:off x="0" y="369332"/>
+            <a:ext cx="6096000" cy="6124754"/>
+          </a:xfrm>
+          <a:prstGeom prst="rect">
+            <a:avLst/>
+          </a:prstGeom>
+          <a:noFill/>
+        </p:spPr>
+        <p:txBody>
+          <a:bodyPr wrap="square" rtlCol="0">
+            <a:spAutoFit/>
+          </a:bodyPr>
+          <a:lstStyle/>
+          <a:p>
+            <a:r>
+              <a:rPr lang="en-US" altLang="ko-KR" sz="1400" dirty="0"/>
+              <a:t>title core initialize </a:t>
+            </a:r>
+          </a:p>
+          <a:p>
+            <a:r>
+              <a:rPr lang="en-US" altLang="ko-KR" sz="1400" dirty="0"/>
+              <a:t>Core-&gt;+</a:t>
+            </a:r>
+            <a:r>
+              <a:rPr lang="en-US" altLang="ko-KR" sz="1400" dirty="0" err="1"/>
+              <a:t>SpaceDivision</a:t>
+            </a:r>
+            <a:r>
+              <a:rPr lang="en-US" altLang="ko-KR" sz="1400" dirty="0"/>
+              <a:t> : new </a:t>
+            </a:r>
+            <a:r>
+              <a:rPr lang="en-US" altLang="ko-KR" sz="1400" dirty="0" err="1"/>
+              <a:t>ObjectBase</a:t>
+            </a:r>
+            <a:endParaRPr lang="en-US" altLang="ko-KR" sz="1400" dirty="0"/>
+          </a:p>
+          <a:p>
+            <a:r>
+              <a:rPr lang="en-US" altLang="ko-KR" sz="1400" dirty="0"/>
+              <a:t>alt 2D    </a:t>
+            </a:r>
+          </a:p>
+          <a:p>
+            <a:r>
+              <a:rPr lang="en-US" altLang="ko-KR" sz="1400" dirty="0" err="1"/>
+              <a:t>SpaceDivision</a:t>
+            </a:r>
+            <a:r>
+              <a:rPr lang="en-US" altLang="ko-KR" sz="1400" dirty="0"/>
+              <a:t>-&gt;+</a:t>
+            </a:r>
+            <a:r>
+              <a:rPr lang="en-US" altLang="ko-KR" sz="1400" dirty="0" err="1"/>
+              <a:t>QuadTree</a:t>
+            </a:r>
+            <a:r>
+              <a:rPr lang="en-US" altLang="ko-KR" sz="1400" dirty="0"/>
+              <a:t> : </a:t>
+            </a:r>
+            <a:r>
+              <a:rPr lang="en-US" altLang="ko-KR" sz="1400" dirty="0" err="1"/>
+              <a:t>newObject</a:t>
+            </a:r>
+            <a:r>
+              <a:rPr lang="en-US" altLang="ko-KR" sz="1400" dirty="0"/>
+              <a:t>(Player, NPC, Obstacle)    </a:t>
+            </a:r>
+            <a:r>
+              <a:rPr lang="en-US" altLang="ko-KR" sz="1400" dirty="0" err="1"/>
+              <a:t>QuadTree</a:t>
+            </a:r>
+            <a:r>
+              <a:rPr lang="en-US" altLang="ko-KR" sz="1400" dirty="0"/>
+              <a:t>-&gt;-</a:t>
+            </a:r>
+            <a:r>
+              <a:rPr lang="en-US" altLang="ko-KR" sz="1400" dirty="0" err="1"/>
+              <a:t>SpaceDivision</a:t>
+            </a:r>
+            <a:r>
+              <a:rPr lang="en-US" altLang="ko-KR" sz="1400" dirty="0"/>
+              <a:t> : return 2D-based Player, NPC, Obstacle</a:t>
+            </a:r>
+          </a:p>
+          <a:p>
+            <a:r>
+              <a:rPr lang="en-US" altLang="ko-KR" sz="1400" dirty="0"/>
+              <a:t>else 3D    </a:t>
+            </a:r>
+          </a:p>
+          <a:p>
+            <a:r>
+              <a:rPr lang="en-US" altLang="ko-KR" sz="1400" dirty="0" err="1"/>
+              <a:t>SpaceDivision</a:t>
+            </a:r>
+            <a:r>
+              <a:rPr lang="en-US" altLang="ko-KR" sz="1400" dirty="0"/>
+              <a:t>-&gt;+Octree : </a:t>
+            </a:r>
+            <a:r>
+              <a:rPr lang="en-US" altLang="ko-KR" sz="1400" dirty="0" err="1"/>
+              <a:t>newObject</a:t>
+            </a:r>
+            <a:r>
+              <a:rPr lang="en-US" altLang="ko-KR" sz="1400" dirty="0"/>
+              <a:t>(Player, NPC, Obstacle)    </a:t>
+            </a:r>
+          </a:p>
+          <a:p>
+            <a:r>
+              <a:rPr lang="en-US" altLang="ko-KR" sz="1400" dirty="0"/>
+              <a:t>Octree-&gt;-</a:t>
+            </a:r>
+            <a:r>
+              <a:rPr lang="en-US" altLang="ko-KR" sz="1400" dirty="0" err="1"/>
+              <a:t>SpaceDivision</a:t>
+            </a:r>
+            <a:r>
+              <a:rPr lang="en-US" altLang="ko-KR" sz="1400" dirty="0"/>
+              <a:t> : return 3D-based Player, NPC, Obstacle</a:t>
+            </a:r>
+          </a:p>
+          <a:p>
+            <a:r>
+              <a:rPr lang="en-US" altLang="ko-KR" sz="1400" dirty="0"/>
+              <a:t>End</a:t>
+            </a:r>
+          </a:p>
+          <a:p>
+            <a:r>
+              <a:rPr lang="en-US" altLang="ko-KR" sz="1400" dirty="0" err="1"/>
+              <a:t>SpaceDivision</a:t>
+            </a:r>
+            <a:r>
+              <a:rPr lang="en-US" altLang="ko-KR" sz="1400" dirty="0"/>
+              <a:t>-&gt;-Core : return </a:t>
+            </a:r>
+            <a:r>
+              <a:rPr lang="en-US" altLang="ko-KR" sz="1400" dirty="0" err="1"/>
+              <a:t>ObjectBase</a:t>
+            </a:r>
+            <a:endParaRPr lang="en-US" altLang="ko-KR" sz="1400" dirty="0"/>
+          </a:p>
+          <a:p>
+            <a:endParaRPr lang="en-US" altLang="ko-KR" sz="1400" dirty="0"/>
+          </a:p>
+          <a:p>
+            <a:r>
+              <a:rPr lang="en-US" altLang="ko-KR" sz="1400" dirty="0"/>
+              <a:t>Core-&gt;+</a:t>
+            </a:r>
+            <a:r>
+              <a:rPr lang="en-US" altLang="ko-KR" sz="1400" dirty="0" err="1"/>
+              <a:t>SpaceDivision</a:t>
+            </a:r>
+            <a:r>
+              <a:rPr lang="en-US" altLang="ko-KR" sz="1400" dirty="0"/>
+              <a:t> : add Object</a:t>
+            </a:r>
+          </a:p>
+          <a:p>
+            <a:r>
+              <a:rPr lang="en-US" altLang="ko-KR" sz="1400" dirty="0"/>
+              <a:t>alt 2D    </a:t>
+            </a:r>
+          </a:p>
+          <a:p>
+            <a:r>
+              <a:rPr lang="en-US" altLang="ko-KR" sz="1400" dirty="0" err="1"/>
+              <a:t>SpaceDivision</a:t>
+            </a:r>
+            <a:r>
+              <a:rPr lang="en-US" altLang="ko-KR" sz="1400" dirty="0"/>
+              <a:t>-&gt;+</a:t>
+            </a:r>
+            <a:r>
+              <a:rPr lang="en-US" altLang="ko-KR" sz="1400" dirty="0" err="1"/>
+              <a:t>QuadTree</a:t>
+            </a:r>
+            <a:r>
+              <a:rPr lang="en-US" altLang="ko-KR" sz="1400" dirty="0"/>
+              <a:t> : </a:t>
+            </a:r>
+            <a:r>
+              <a:rPr lang="en-US" altLang="ko-KR" sz="1400" dirty="0" err="1"/>
+              <a:t>addObject</a:t>
+            </a:r>
+            <a:r>
+              <a:rPr lang="en-US" altLang="ko-KR" sz="1400" dirty="0"/>
+              <a:t>()    </a:t>
+            </a:r>
+          </a:p>
+          <a:p>
+            <a:r>
+              <a:rPr lang="en-US" altLang="ko-KR" sz="1400" dirty="0"/>
+              <a:t>loop </a:t>
+            </a:r>
+            <a:r>
+              <a:rPr lang="en-US" altLang="ko-KR" sz="1400" dirty="0" err="1"/>
+              <a:t>findNode</a:t>
+            </a:r>
+            <a:r>
+              <a:rPr lang="en-US" altLang="ko-KR" sz="1400" dirty="0"/>
+              <a:t>()    </a:t>
+            </a:r>
+          </a:p>
+          <a:p>
+            <a:r>
+              <a:rPr lang="en-US" altLang="ko-KR" sz="1400" dirty="0" err="1"/>
+              <a:t>QuadTree</a:t>
+            </a:r>
+            <a:r>
+              <a:rPr lang="en-US" altLang="ko-KR" sz="1400" dirty="0"/>
+              <a:t>-&gt;</a:t>
+            </a:r>
+            <a:r>
+              <a:rPr lang="en-US" altLang="ko-KR" sz="1400" dirty="0" err="1"/>
+              <a:t>QuadTree</a:t>
+            </a:r>
+            <a:r>
+              <a:rPr lang="en-US" altLang="ko-KR" sz="1400" dirty="0"/>
+              <a:t> :    </a:t>
+            </a:r>
+          </a:p>
+          <a:p>
+            <a:r>
+              <a:rPr lang="en-US" altLang="ko-KR" sz="1400" dirty="0"/>
+              <a:t>end    </a:t>
+            </a:r>
+          </a:p>
+          <a:p>
+            <a:r>
+              <a:rPr lang="en-US" altLang="ko-KR" sz="1400" dirty="0" err="1"/>
+              <a:t>QuadTree</a:t>
+            </a:r>
+            <a:r>
+              <a:rPr lang="en-US" altLang="ko-KR" sz="1400" dirty="0"/>
+              <a:t>-&gt;</a:t>
+            </a:r>
+            <a:r>
+              <a:rPr lang="en-US" altLang="ko-KR" sz="1400" dirty="0" err="1"/>
+              <a:t>QuadTree</a:t>
+            </a:r>
+            <a:r>
+              <a:rPr lang="en-US" altLang="ko-KR" sz="1400" dirty="0"/>
+              <a:t> : add to object list    </a:t>
+            </a:r>
+          </a:p>
+          <a:p>
+            <a:r>
+              <a:rPr lang="en-US" altLang="ko-KR" sz="1400" dirty="0" err="1"/>
+              <a:t>QuadTree</a:t>
+            </a:r>
+            <a:r>
+              <a:rPr lang="en-US" altLang="ko-KR" sz="1400" dirty="0"/>
+              <a:t>--&gt;-</a:t>
+            </a:r>
+            <a:r>
+              <a:rPr lang="en-US" altLang="ko-KR" sz="1400" dirty="0" err="1"/>
+              <a:t>SpaceDivision</a:t>
+            </a:r>
+            <a:r>
+              <a:rPr lang="en-US" altLang="ko-KR" sz="1400" dirty="0"/>
+              <a:t> : void</a:t>
+            </a:r>
+          </a:p>
+          <a:p>
+            <a:r>
+              <a:rPr lang="en-US" altLang="ko-KR" sz="1400" dirty="0"/>
+              <a:t>else 3D    </a:t>
+            </a:r>
+          </a:p>
+          <a:p>
+            <a:r>
+              <a:rPr lang="en-US" altLang="ko-KR" sz="1400" dirty="0" err="1"/>
+              <a:t>SpaceDivision</a:t>
+            </a:r>
+            <a:r>
+              <a:rPr lang="en-US" altLang="ko-KR" sz="1400" dirty="0"/>
+              <a:t>-&gt;+Octree : </a:t>
+            </a:r>
+            <a:r>
+              <a:rPr lang="en-US" altLang="ko-KR" sz="1400" dirty="0" err="1"/>
+              <a:t>addObject</a:t>
+            </a:r>
+            <a:r>
+              <a:rPr lang="en-US" altLang="ko-KR" sz="1400" dirty="0"/>
+              <a:t>()    </a:t>
+            </a:r>
+          </a:p>
+          <a:p>
+            <a:r>
+              <a:rPr lang="en-US" altLang="ko-KR" sz="1400" dirty="0"/>
+              <a:t>loop </a:t>
+            </a:r>
+            <a:r>
+              <a:rPr lang="en-US" altLang="ko-KR" sz="1400" dirty="0" err="1"/>
+              <a:t>findNode</a:t>
+            </a:r>
+            <a:r>
+              <a:rPr lang="en-US" altLang="ko-KR" sz="1400" dirty="0"/>
+              <a:t>()    </a:t>
+            </a:r>
+          </a:p>
+          <a:p>
+            <a:r>
+              <a:rPr lang="en-US" altLang="ko-KR" sz="1400" dirty="0"/>
+              <a:t>Octree-&gt;Octree :     </a:t>
+            </a:r>
+          </a:p>
+          <a:p>
+            <a:r>
+              <a:rPr lang="en-US" altLang="ko-KR" sz="1400" dirty="0"/>
+              <a:t>end    </a:t>
+            </a:r>
+          </a:p>
+          <a:p>
+            <a:r>
+              <a:rPr lang="en-US" altLang="ko-KR" sz="1400" dirty="0"/>
+              <a:t>Octree-&gt;Octree : add to object list    </a:t>
+            </a:r>
+          </a:p>
+          <a:p>
+            <a:r>
+              <a:rPr lang="en-US" altLang="ko-KR" sz="1400" dirty="0"/>
+              <a:t>Octree--&gt;-</a:t>
+            </a:r>
+            <a:r>
+              <a:rPr lang="en-US" altLang="ko-KR" sz="1400" dirty="0" err="1"/>
+              <a:t>SpaceDivision</a:t>
+            </a:r>
+            <a:r>
+              <a:rPr lang="en-US" altLang="ko-KR" sz="1400" dirty="0"/>
+              <a:t> : void</a:t>
+            </a:r>
+          </a:p>
+          <a:p>
+            <a:r>
+              <a:rPr lang="en-US" altLang="ko-KR" sz="1400" dirty="0"/>
+              <a:t>End</a:t>
+            </a:r>
+          </a:p>
+          <a:p>
+            <a:r>
+              <a:rPr lang="en-US" altLang="ko-KR" sz="1400" dirty="0" err="1"/>
+              <a:t>SpaceDivision</a:t>
+            </a:r>
+            <a:r>
+              <a:rPr lang="en-US" altLang="ko-KR" sz="1400" dirty="0"/>
+              <a:t>--&gt;-Core : void</a:t>
+            </a:r>
+            <a:endParaRPr lang="ko-KR" altLang="en-US" sz="1400" dirty="0"/>
+          </a:p>
+        </p:txBody>
+      </p:sp>
+      <p:sp>
+        <p:nvSpPr>
+          <p:cNvPr id="7" name="TextBox 6">
+            <a:extLst>
+              <a:ext uri="{FF2B5EF4-FFF2-40B4-BE49-F238E27FC236}">
+                <a16:creationId xmlns:a16="http://schemas.microsoft.com/office/drawing/2014/main" id="{736FCFD4-77C0-0D4C-7284-86D89D3D8B49}"/>
+              </a:ext>
+            </a:extLst>
+          </p:cNvPr>
+          <p:cNvSpPr txBox="1"/>
+          <p:nvPr/>
+        </p:nvSpPr>
+        <p:spPr>
+          <a:xfrm>
+            <a:off x="0" y="0"/>
+            <a:ext cx="4723001" cy="369332"/>
+          </a:xfrm>
+          <a:prstGeom prst="rect">
+            <a:avLst/>
+          </a:prstGeom>
+          <a:noFill/>
+        </p:spPr>
+        <p:txBody>
+          <a:bodyPr wrap="square" rtlCol="0">
+            <a:spAutoFit/>
+          </a:bodyPr>
+          <a:lstStyle/>
+          <a:p>
+            <a:r>
+              <a:rPr lang="en-US" altLang="ko-KR" dirty="0"/>
+              <a:t>Core initialize </a:t>
+            </a:r>
+            <a:endParaRPr lang="ko-KR" altLang="en-US" dirty="0"/>
+          </a:p>
+        </p:txBody>
+      </p:sp>
+      <p:pic>
+        <p:nvPicPr>
+          <p:cNvPr id="6" name="그림 5">
+            <a:extLst>
+              <a:ext uri="{FF2B5EF4-FFF2-40B4-BE49-F238E27FC236}">
+                <a16:creationId xmlns:a16="http://schemas.microsoft.com/office/drawing/2014/main" id="{F832EE61-29DE-A905-C856-2F5E40950522}"/>
+              </a:ext>
+            </a:extLst>
+          </p:cNvPr>
+          <p:cNvPicPr>
+            <a:picLocks noChangeAspect="1"/>
+          </p:cNvPicPr>
+          <p:nvPr/>
+        </p:nvPicPr>
+        <p:blipFill>
+          <a:blip r:embed="rId2"/>
+          <a:stretch>
+            <a:fillRect/>
+          </a:stretch>
+        </p:blipFill>
+        <p:spPr>
+          <a:xfrm>
+            <a:off x="7281930" y="0"/>
+            <a:ext cx="4910070" cy="6858000"/>
+          </a:xfrm>
+          <a:prstGeom prst="rect">
+            <a:avLst/>
+          </a:prstGeom>
+        </p:spPr>
+      </p:pic>
+    </p:spTree>
+    <p:extLst>
+      <p:ext uri="{BB962C8B-B14F-4D97-AF65-F5344CB8AC3E}">
+        <p14:creationId xmlns:p14="http://schemas.microsoft.com/office/powerpoint/2010/main" val="1293592880"/>
+      </p:ext>
+    </p:extLst>
+  </p:cSld>
+  <p:clrMapOvr>
+    <a:masterClrMapping/>
+  </p:clrMapOvr>
+</p:sld>
+</file>
+
+<file path=ppt/slides/slide4.xml><?xml version="1.0" encoding="utf-8"?>
+<p:sld xmlns:a="http://schemas.openxmlformats.org/drawingml/2006/main" xmlns:r="http://schemas.openxmlformats.org/officeDocument/2006/relationships" xmlns:p="http://schemas.openxmlformats.org/presentationml/2006/main">
+  <p:cSld>
+    <p:spTree>
+      <p:nvGrpSpPr>
+        <p:cNvPr id="1" name=""/>
+        <p:cNvGrpSpPr/>
+        <p:nvPr/>
+      </p:nvGrpSpPr>
+      <p:grpSpPr>
+        <a:xfrm>
+          <a:off x="0" y="0"/>
+          <a:ext cx="0" cy="0"/>
+          <a:chOff x="0" y="0"/>
+          <a:chExt cx="0" cy="0"/>
+        </a:xfrm>
+      </p:grpSpPr>
+      <p:sp>
+        <p:nvSpPr>
+          <p:cNvPr id="4" name="TextBox 3">
+            <a:extLst>
+              <a:ext uri="{FF2B5EF4-FFF2-40B4-BE49-F238E27FC236}">
+                <a16:creationId xmlns:a16="http://schemas.microsoft.com/office/drawing/2014/main" id="{3B10508A-09C7-E6D0-7900-01B44E73C819}"/>
+              </a:ext>
+            </a:extLst>
+          </p:cNvPr>
+          <p:cNvSpPr txBox="1"/>
+          <p:nvPr/>
+        </p:nvSpPr>
+        <p:spPr>
+          <a:xfrm>
+            <a:off x="0" y="369332"/>
+            <a:ext cx="6096000" cy="4832092"/>
+          </a:xfrm>
+          <a:prstGeom prst="rect">
+            <a:avLst/>
+          </a:prstGeom>
+          <a:noFill/>
+        </p:spPr>
+        <p:txBody>
+          <a:bodyPr wrap="square" rtlCol="0">
+            <a:spAutoFit/>
+          </a:bodyPr>
+          <a:lstStyle/>
+          <a:p>
+            <a:r>
+              <a:rPr lang="en-US" altLang="ko-KR" sz="1400" dirty="0"/>
+              <a:t>title core frame</a:t>
+            </a:r>
+          </a:p>
+          <a:p>
+            <a:r>
+              <a:rPr lang="en-US" altLang="ko-KR" sz="1400" dirty="0"/>
+              <a:t>Core-&gt;+</a:t>
+            </a:r>
+            <a:r>
+              <a:rPr lang="en-US" altLang="ko-KR" sz="1400" dirty="0" err="1"/>
+              <a:t>ObjectBase</a:t>
+            </a:r>
+            <a:r>
+              <a:rPr lang="en-US" altLang="ko-KR" sz="1400" dirty="0"/>
+              <a:t> : frame()</a:t>
+            </a:r>
+          </a:p>
+          <a:p>
+            <a:r>
+              <a:rPr lang="en-US" altLang="ko-KR" sz="1400" dirty="0"/>
+              <a:t>alt Player    </a:t>
+            </a:r>
+          </a:p>
+          <a:p>
+            <a:r>
+              <a:rPr lang="en-US" altLang="ko-KR" sz="1400" dirty="0" err="1"/>
+              <a:t>ObjectBase</a:t>
+            </a:r>
+            <a:r>
+              <a:rPr lang="en-US" altLang="ko-KR" sz="1400" dirty="0"/>
+              <a:t>-&gt;+Player : frame()    </a:t>
+            </a:r>
+          </a:p>
+          <a:p>
+            <a:r>
+              <a:rPr lang="en-US" altLang="ko-KR" sz="1400" dirty="0"/>
+              <a:t>Player--&gt;-</a:t>
+            </a:r>
+            <a:r>
+              <a:rPr lang="en-US" altLang="ko-KR" sz="1400" dirty="0" err="1"/>
+              <a:t>ObjectBase</a:t>
+            </a:r>
+            <a:r>
+              <a:rPr lang="en-US" altLang="ko-KR" sz="1400" dirty="0"/>
+              <a:t> : void</a:t>
+            </a:r>
+          </a:p>
+          <a:p>
+            <a:r>
+              <a:rPr lang="en-US" altLang="ko-KR" sz="1400" dirty="0"/>
+              <a:t>else NPC    </a:t>
+            </a:r>
+          </a:p>
+          <a:p>
+            <a:r>
+              <a:rPr lang="en-US" altLang="ko-KR" sz="1400" dirty="0" err="1"/>
+              <a:t>ObjectBase</a:t>
+            </a:r>
+            <a:r>
+              <a:rPr lang="en-US" altLang="ko-KR" sz="1400" dirty="0"/>
+              <a:t>-&gt;+NPC : frame()    </a:t>
+            </a:r>
+          </a:p>
+          <a:p>
+            <a:r>
+              <a:rPr lang="en-US" altLang="ko-KR" sz="1400" dirty="0"/>
+              <a:t>NPC--&gt;-</a:t>
+            </a:r>
+            <a:r>
+              <a:rPr lang="en-US" altLang="ko-KR" sz="1400" dirty="0" err="1"/>
+              <a:t>ObjectBase</a:t>
+            </a:r>
+            <a:r>
+              <a:rPr lang="en-US" altLang="ko-KR" sz="1400" dirty="0"/>
+              <a:t> : void</a:t>
+            </a:r>
+          </a:p>
+          <a:p>
+            <a:r>
+              <a:rPr lang="en-US" altLang="ko-KR" sz="1400" dirty="0"/>
+              <a:t>else Obstacle    </a:t>
+            </a:r>
+          </a:p>
+          <a:p>
+            <a:r>
+              <a:rPr lang="en-US" altLang="ko-KR" sz="1400" dirty="0" err="1"/>
+              <a:t>ObjectBase</a:t>
+            </a:r>
+            <a:r>
+              <a:rPr lang="en-US" altLang="ko-KR" sz="1400" dirty="0"/>
+              <a:t>-&gt;+Obstacle : frame()    </a:t>
+            </a:r>
+          </a:p>
+          <a:p>
+            <a:r>
+              <a:rPr lang="en-US" altLang="ko-KR" sz="1400" dirty="0"/>
+              <a:t>Obstacle--&gt;-</a:t>
+            </a:r>
+            <a:r>
+              <a:rPr lang="en-US" altLang="ko-KR" sz="1400" dirty="0" err="1"/>
+              <a:t>ObjectBase</a:t>
+            </a:r>
+            <a:r>
+              <a:rPr lang="en-US" altLang="ko-KR" sz="1400" dirty="0"/>
+              <a:t> : void</a:t>
+            </a:r>
+          </a:p>
+          <a:p>
+            <a:r>
+              <a:rPr lang="en-US" altLang="ko-KR" sz="1400" dirty="0"/>
+              <a:t>End</a:t>
+            </a:r>
+          </a:p>
+          <a:p>
+            <a:r>
+              <a:rPr lang="en-US" altLang="ko-KR" sz="1400" dirty="0" err="1"/>
+              <a:t>ObjectBase</a:t>
+            </a:r>
+            <a:r>
+              <a:rPr lang="en-US" altLang="ko-KR" sz="1400" dirty="0"/>
+              <a:t>--&gt;-Core : void</a:t>
+            </a:r>
+          </a:p>
+          <a:p>
+            <a:r>
+              <a:rPr lang="en-US" altLang="ko-KR" sz="1400" dirty="0"/>
+              <a:t>Core-&gt;+</a:t>
+            </a:r>
+            <a:r>
+              <a:rPr lang="en-US" altLang="ko-KR" sz="1400" dirty="0" err="1"/>
+              <a:t>SpaceDivision</a:t>
+            </a:r>
+            <a:r>
+              <a:rPr lang="en-US" altLang="ko-KR" sz="1400" dirty="0"/>
+              <a:t> : Collision()</a:t>
+            </a:r>
+          </a:p>
+          <a:p>
+            <a:r>
+              <a:rPr lang="en-US" altLang="ko-KR" sz="1400" dirty="0"/>
+              <a:t>alt 2D    </a:t>
+            </a:r>
+          </a:p>
+          <a:p>
+            <a:r>
+              <a:rPr lang="en-US" altLang="ko-KR" sz="1400" dirty="0" err="1"/>
+              <a:t>SpaceDivision</a:t>
+            </a:r>
+            <a:r>
+              <a:rPr lang="en-US" altLang="ko-KR" sz="1400" dirty="0"/>
+              <a:t> -&gt;+</a:t>
+            </a:r>
+            <a:r>
+              <a:rPr lang="en-US" altLang="ko-KR" sz="1400" dirty="0" err="1"/>
+              <a:t>QuadTree</a:t>
+            </a:r>
+            <a:r>
+              <a:rPr lang="en-US" altLang="ko-KR" sz="1400" dirty="0"/>
+              <a:t> : Collision()    </a:t>
+            </a:r>
+          </a:p>
+          <a:p>
+            <a:r>
+              <a:rPr lang="en-US" altLang="ko-KR" sz="1400" dirty="0" err="1"/>
+              <a:t>QuadTree</a:t>
+            </a:r>
+            <a:r>
+              <a:rPr lang="en-US" altLang="ko-KR" sz="1400" dirty="0"/>
+              <a:t> -&gt;-</a:t>
+            </a:r>
+            <a:r>
+              <a:rPr lang="en-US" altLang="ko-KR" sz="1400" dirty="0" err="1"/>
+              <a:t>SpaceDivision</a:t>
+            </a:r>
+            <a:r>
+              <a:rPr lang="en-US" altLang="ko-KR" sz="1400" dirty="0"/>
+              <a:t> : return </a:t>
+            </a:r>
+            <a:r>
+              <a:rPr lang="en-US" altLang="ko-KR" sz="1400" dirty="0" err="1"/>
+              <a:t>renderList</a:t>
+            </a:r>
+            <a:endParaRPr lang="en-US" altLang="ko-KR" sz="1400" dirty="0"/>
+          </a:p>
+          <a:p>
+            <a:r>
+              <a:rPr lang="en-US" altLang="ko-KR" sz="1400" dirty="0"/>
+              <a:t>else 3D    </a:t>
+            </a:r>
+          </a:p>
+          <a:p>
+            <a:r>
+              <a:rPr lang="en-US" altLang="ko-KR" sz="1400" dirty="0" err="1"/>
+              <a:t>SpaceDivision</a:t>
+            </a:r>
+            <a:r>
+              <a:rPr lang="en-US" altLang="ko-KR" sz="1400" dirty="0"/>
+              <a:t> -&gt;+Octree : Collision()    </a:t>
+            </a:r>
+          </a:p>
+          <a:p>
+            <a:r>
+              <a:rPr lang="en-US" altLang="ko-KR" sz="1400" dirty="0"/>
+              <a:t>Octree -&gt;-</a:t>
+            </a:r>
+            <a:r>
+              <a:rPr lang="en-US" altLang="ko-KR" sz="1400" dirty="0" err="1"/>
+              <a:t>SpaceDivision</a:t>
+            </a:r>
+            <a:r>
+              <a:rPr lang="en-US" altLang="ko-KR" sz="1400" dirty="0"/>
+              <a:t> : return </a:t>
+            </a:r>
+            <a:r>
+              <a:rPr lang="en-US" altLang="ko-KR" sz="1400" dirty="0" err="1"/>
+              <a:t>renderList</a:t>
+            </a:r>
+            <a:endParaRPr lang="en-US" altLang="ko-KR" sz="1400" dirty="0"/>
+          </a:p>
+          <a:p>
+            <a:r>
+              <a:rPr lang="en-US" altLang="ko-KR" sz="1400" dirty="0"/>
+              <a:t>End</a:t>
+            </a:r>
+          </a:p>
+          <a:p>
+            <a:r>
+              <a:rPr lang="en-US" altLang="ko-KR" sz="1400" dirty="0" err="1"/>
+              <a:t>SpaceDivision</a:t>
+            </a:r>
+            <a:r>
+              <a:rPr lang="en-US" altLang="ko-KR" sz="1400" dirty="0"/>
+              <a:t> -&gt;-Core : return </a:t>
+            </a:r>
+            <a:r>
+              <a:rPr lang="en-US" altLang="ko-KR" sz="1400" dirty="0" err="1"/>
+              <a:t>renderList</a:t>
+            </a:r>
+            <a:endParaRPr lang="ko-KR" altLang="en-US" sz="1400" dirty="0"/>
+          </a:p>
+        </p:txBody>
+      </p:sp>
+      <p:sp>
+        <p:nvSpPr>
+          <p:cNvPr id="7" name="TextBox 6">
+            <a:extLst>
+              <a:ext uri="{FF2B5EF4-FFF2-40B4-BE49-F238E27FC236}">
+                <a16:creationId xmlns:a16="http://schemas.microsoft.com/office/drawing/2014/main" id="{736FCFD4-77C0-0D4C-7284-86D89D3D8B49}"/>
+              </a:ext>
+            </a:extLst>
+          </p:cNvPr>
+          <p:cNvSpPr txBox="1"/>
+          <p:nvPr/>
+        </p:nvSpPr>
+        <p:spPr>
+          <a:xfrm>
+            <a:off x="0" y="0"/>
+            <a:ext cx="4723001" cy="369332"/>
+          </a:xfrm>
+          <a:prstGeom prst="rect">
+            <a:avLst/>
+          </a:prstGeom>
+          <a:noFill/>
+        </p:spPr>
+        <p:txBody>
+          <a:bodyPr wrap="square" rtlCol="0">
+            <a:spAutoFit/>
+          </a:bodyPr>
+          <a:lstStyle/>
+          <a:p>
+            <a:r>
+              <a:rPr lang="en-US" altLang="ko-KR" dirty="0"/>
+              <a:t>Core Frame</a:t>
+            </a:r>
+            <a:endParaRPr lang="ko-KR" altLang="en-US" dirty="0"/>
+          </a:p>
+        </p:txBody>
+      </p:sp>
+      <p:pic>
+        <p:nvPicPr>
+          <p:cNvPr id="5" name="그림 4">
+            <a:extLst>
+              <a:ext uri="{FF2B5EF4-FFF2-40B4-BE49-F238E27FC236}">
+                <a16:creationId xmlns:a16="http://schemas.microsoft.com/office/drawing/2014/main" id="{7BC3BA15-CB37-13DA-426C-C3C33A4B895F}"/>
+              </a:ext>
+            </a:extLst>
+          </p:cNvPr>
+          <p:cNvPicPr>
+            <a:picLocks noChangeAspect="1"/>
+          </p:cNvPicPr>
+          <p:nvPr/>
+        </p:nvPicPr>
+        <p:blipFill>
+          <a:blip r:embed="rId2"/>
+          <a:stretch>
+            <a:fillRect/>
+          </a:stretch>
+        </p:blipFill>
+        <p:spPr>
+          <a:xfrm>
+            <a:off x="4352925" y="0"/>
+            <a:ext cx="7839075" cy="6800850"/>
+          </a:xfrm>
+          <a:prstGeom prst="rect">
+            <a:avLst/>
+          </a:prstGeom>
+        </p:spPr>
+      </p:pic>
+    </p:spTree>
+    <p:extLst>
+      <p:ext uri="{BB962C8B-B14F-4D97-AF65-F5344CB8AC3E}">
+        <p14:creationId xmlns:p14="http://schemas.microsoft.com/office/powerpoint/2010/main" val="3009495200"/>
+      </p:ext>
+    </p:extLst>
+  </p:cSld>
+  <p:clrMapOvr>
+    <a:masterClrMapping/>
+  </p:clrMapOvr>
+</p:sld>
+</file>
+
+<file path=ppt/slides/slide5.xml><?xml version="1.0" encoding="utf-8"?>
+<p:sld xmlns:a="http://schemas.openxmlformats.org/drawingml/2006/main" xmlns:r="http://schemas.openxmlformats.org/officeDocument/2006/relationships" xmlns:p="http://schemas.openxmlformats.org/presentationml/2006/main">
+  <p:cSld>
+    <p:spTree>
+      <p:nvGrpSpPr>
+        <p:cNvPr id="1" name=""/>
+        <p:cNvGrpSpPr/>
+        <p:nvPr/>
+      </p:nvGrpSpPr>
+      <p:grpSpPr>
+        <a:xfrm>
+          <a:off x="0" y="0"/>
+          <a:ext cx="0" cy="0"/>
+          <a:chOff x="0" y="0"/>
+          <a:chExt cx="0" cy="0"/>
+        </a:xfrm>
+      </p:grpSpPr>
+      <p:sp>
+        <p:nvSpPr>
+          <p:cNvPr id="4" name="TextBox 3">
+            <a:extLst>
+              <a:ext uri="{FF2B5EF4-FFF2-40B4-BE49-F238E27FC236}">
+                <a16:creationId xmlns:a16="http://schemas.microsoft.com/office/drawing/2014/main" id="{3B10508A-09C7-E6D0-7900-01B44E73C819}"/>
+              </a:ext>
+            </a:extLst>
+          </p:cNvPr>
+          <p:cNvSpPr txBox="1"/>
+          <p:nvPr/>
+        </p:nvSpPr>
+        <p:spPr>
+          <a:xfrm>
+            <a:off x="0" y="369332"/>
+            <a:ext cx="6096000" cy="3323987"/>
+          </a:xfrm>
+          <a:prstGeom prst="rect">
+            <a:avLst/>
+          </a:prstGeom>
+          <a:noFill/>
+        </p:spPr>
+        <p:txBody>
+          <a:bodyPr wrap="square" rtlCol="0">
+            <a:spAutoFit/>
+          </a:bodyPr>
+          <a:lstStyle/>
+          <a:p>
+            <a:r>
+              <a:rPr lang="en-US" altLang="ko-KR" sz="1400" dirty="0"/>
+              <a:t>title core render</a:t>
+            </a:r>
+          </a:p>
+          <a:p>
+            <a:r>
+              <a:rPr lang="en-US" altLang="ko-KR" sz="1400" dirty="0"/>
+              <a:t>loop </a:t>
+            </a:r>
+            <a:r>
+              <a:rPr lang="en-US" altLang="ko-KR" sz="1400" dirty="0" err="1"/>
+              <a:t>renderList.size</a:t>
+            </a:r>
+            <a:r>
+              <a:rPr lang="en-US" altLang="ko-KR" sz="1400" dirty="0"/>
+              <a:t>()</a:t>
+            </a:r>
+          </a:p>
+          <a:p>
+            <a:r>
+              <a:rPr lang="en-US" altLang="ko-KR" sz="1400" dirty="0"/>
+              <a:t>Core-&gt;+</a:t>
+            </a:r>
+            <a:r>
+              <a:rPr lang="en-US" altLang="ko-KR" sz="1400" dirty="0" err="1"/>
+              <a:t>ObjectBase</a:t>
+            </a:r>
+            <a:r>
+              <a:rPr lang="en-US" altLang="ko-KR" sz="1400" dirty="0"/>
+              <a:t> : render()</a:t>
+            </a:r>
+          </a:p>
+          <a:p>
+            <a:r>
+              <a:rPr lang="en-US" altLang="ko-KR" sz="1400" dirty="0"/>
+              <a:t>alt Player    </a:t>
+            </a:r>
+          </a:p>
+          <a:p>
+            <a:r>
+              <a:rPr lang="en-US" altLang="ko-KR" sz="1400" dirty="0" err="1"/>
+              <a:t>ObjectBase</a:t>
+            </a:r>
+            <a:r>
+              <a:rPr lang="en-US" altLang="ko-KR" sz="1400" dirty="0"/>
+              <a:t>-&gt;+Player : render()    </a:t>
+            </a:r>
+          </a:p>
+          <a:p>
+            <a:r>
+              <a:rPr lang="en-US" altLang="ko-KR" sz="1400" dirty="0"/>
+              <a:t>Player--&gt;-</a:t>
+            </a:r>
+            <a:r>
+              <a:rPr lang="en-US" altLang="ko-KR" sz="1400" dirty="0" err="1"/>
+              <a:t>ObjectBase</a:t>
+            </a:r>
+            <a:r>
+              <a:rPr lang="en-US" altLang="ko-KR" sz="1400" dirty="0"/>
+              <a:t> : void</a:t>
+            </a:r>
+          </a:p>
+          <a:p>
+            <a:r>
+              <a:rPr lang="en-US" altLang="ko-KR" sz="1400" dirty="0"/>
+              <a:t>else NPC    </a:t>
+            </a:r>
+          </a:p>
+          <a:p>
+            <a:r>
+              <a:rPr lang="en-US" altLang="ko-KR" sz="1400" dirty="0" err="1"/>
+              <a:t>ObjectBase</a:t>
+            </a:r>
+            <a:r>
+              <a:rPr lang="en-US" altLang="ko-KR" sz="1400" dirty="0"/>
+              <a:t>-&gt;+NPC : render()    </a:t>
+            </a:r>
+          </a:p>
+          <a:p>
+            <a:r>
+              <a:rPr lang="en-US" altLang="ko-KR" sz="1400" dirty="0"/>
+              <a:t>NPC--&gt;-</a:t>
+            </a:r>
+            <a:r>
+              <a:rPr lang="en-US" altLang="ko-KR" sz="1400" dirty="0" err="1"/>
+              <a:t>ObjectBase</a:t>
+            </a:r>
+            <a:r>
+              <a:rPr lang="en-US" altLang="ko-KR" sz="1400" dirty="0"/>
+              <a:t> : void</a:t>
+            </a:r>
+          </a:p>
+          <a:p>
+            <a:r>
+              <a:rPr lang="en-US" altLang="ko-KR" sz="1400" dirty="0"/>
+              <a:t>else Obstacle    </a:t>
+            </a:r>
+          </a:p>
+          <a:p>
+            <a:r>
+              <a:rPr lang="en-US" altLang="ko-KR" sz="1400" dirty="0" err="1"/>
+              <a:t>ObjectBase</a:t>
+            </a:r>
+            <a:r>
+              <a:rPr lang="en-US" altLang="ko-KR" sz="1400" dirty="0"/>
+              <a:t>-&gt;+Obstacle : render()   </a:t>
+            </a:r>
+          </a:p>
+          <a:p>
+            <a:r>
+              <a:rPr lang="en-US" altLang="ko-KR" sz="1400" dirty="0"/>
+              <a:t>Obstacle--&gt;-</a:t>
+            </a:r>
+            <a:r>
+              <a:rPr lang="en-US" altLang="ko-KR" sz="1400" dirty="0" err="1"/>
+              <a:t>ObjectBase</a:t>
+            </a:r>
+            <a:r>
+              <a:rPr lang="en-US" altLang="ko-KR" sz="1400" dirty="0"/>
+              <a:t> : void</a:t>
+            </a:r>
+          </a:p>
+          <a:p>
+            <a:r>
+              <a:rPr lang="en-US" altLang="ko-KR" sz="1400" dirty="0"/>
+              <a:t>End</a:t>
+            </a:r>
+          </a:p>
+          <a:p>
+            <a:r>
+              <a:rPr lang="en-US" altLang="ko-KR" sz="1400" dirty="0" err="1"/>
+              <a:t>ObjectBase</a:t>
+            </a:r>
+            <a:r>
+              <a:rPr lang="en-US" altLang="ko-KR" sz="1400" dirty="0"/>
+              <a:t>--&gt;-Core : void</a:t>
+            </a:r>
+          </a:p>
+          <a:p>
+            <a:r>
+              <a:rPr lang="en-US" altLang="ko-KR" sz="1400" dirty="0"/>
+              <a:t>end</a:t>
+            </a:r>
+            <a:endParaRPr lang="ko-KR" altLang="en-US" sz="1400" dirty="0"/>
+          </a:p>
+        </p:txBody>
+      </p:sp>
+      <p:sp>
+        <p:nvSpPr>
+          <p:cNvPr id="7" name="TextBox 6">
+            <a:extLst>
+              <a:ext uri="{FF2B5EF4-FFF2-40B4-BE49-F238E27FC236}">
+                <a16:creationId xmlns:a16="http://schemas.microsoft.com/office/drawing/2014/main" id="{736FCFD4-77C0-0D4C-7284-86D89D3D8B49}"/>
+              </a:ext>
+            </a:extLst>
+          </p:cNvPr>
+          <p:cNvSpPr txBox="1"/>
+          <p:nvPr/>
+        </p:nvSpPr>
+        <p:spPr>
+          <a:xfrm>
+            <a:off x="0" y="0"/>
+            <a:ext cx="4723001" cy="369332"/>
+          </a:xfrm>
+          <a:prstGeom prst="rect">
+            <a:avLst/>
+          </a:prstGeom>
+          <a:noFill/>
+        </p:spPr>
+        <p:txBody>
+          <a:bodyPr wrap="square" rtlCol="0">
+            <a:spAutoFit/>
+          </a:bodyPr>
+          <a:lstStyle/>
+          <a:p>
+            <a:r>
+              <a:rPr lang="en-US" altLang="ko-KR" dirty="0"/>
+              <a:t>Core Render</a:t>
+            </a:r>
+            <a:endParaRPr lang="ko-KR" altLang="en-US" dirty="0"/>
+          </a:p>
+        </p:txBody>
+      </p:sp>
+      <p:pic>
+        <p:nvPicPr>
+          <p:cNvPr id="3" name="그림 2">
+            <a:extLst>
+              <a:ext uri="{FF2B5EF4-FFF2-40B4-BE49-F238E27FC236}">
+                <a16:creationId xmlns:a16="http://schemas.microsoft.com/office/drawing/2014/main" id="{9587F497-144D-E8E5-7BF1-A4F693433A1C}"/>
+              </a:ext>
+            </a:extLst>
+          </p:cNvPr>
+          <p:cNvPicPr>
+            <a:picLocks noChangeAspect="1"/>
+          </p:cNvPicPr>
+          <p:nvPr/>
+        </p:nvPicPr>
+        <p:blipFill>
+          <a:blip r:embed="rId2"/>
+          <a:stretch>
+            <a:fillRect/>
+          </a:stretch>
+        </p:blipFill>
+        <p:spPr>
+          <a:xfrm>
+            <a:off x="7536765" y="938212"/>
+            <a:ext cx="4467225" cy="4981575"/>
+          </a:xfrm>
+          <a:prstGeom prst="rect">
+            <a:avLst/>
+          </a:prstGeom>
+        </p:spPr>
+      </p:pic>
+    </p:spTree>
+    <p:extLst>
+      <p:ext uri="{BB962C8B-B14F-4D97-AF65-F5344CB8AC3E}">
+        <p14:creationId xmlns:p14="http://schemas.microsoft.com/office/powerpoint/2010/main" val="3980131894"/>
+      </p:ext>
+    </p:extLst>
+  </p:cSld>
+  <p:clrMapOvr>
+    <a:masterClrMapping/>
+  </p:clrMapOvr>
+</p:sld>
+</file>
+
+<file path=ppt/slides/slide6.xml><?xml version="1.0" encoding="utf-8"?>
+<p:sld xmlns:a="http://schemas.openxmlformats.org/drawingml/2006/main" xmlns:r="http://schemas.openxmlformats.org/officeDocument/2006/relationships" xmlns:p="http://schemas.openxmlformats.org/presentationml/2006/main">
+  <p:cSld>
+    <p:spTree>
+      <p:nvGrpSpPr>
+        <p:cNvPr id="1" name=""/>
+        <p:cNvGrpSpPr/>
+        <p:nvPr/>
+      </p:nvGrpSpPr>
+      <p:grpSpPr>
+        <a:xfrm>
+          <a:off x="0" y="0"/>
+          <a:ext cx="0" cy="0"/>
+          <a:chOff x="0" y="0"/>
+          <a:chExt cx="0" cy="0"/>
+        </a:xfrm>
+      </p:grpSpPr>
+      <p:sp>
+        <p:nvSpPr>
+          <p:cNvPr id="4" name="TextBox 3">
+            <a:extLst>
+              <a:ext uri="{FF2B5EF4-FFF2-40B4-BE49-F238E27FC236}">
+                <a16:creationId xmlns:a16="http://schemas.microsoft.com/office/drawing/2014/main" id="{3B10508A-09C7-E6D0-7900-01B44E73C819}"/>
+              </a:ext>
+            </a:extLst>
+          </p:cNvPr>
+          <p:cNvSpPr txBox="1"/>
+          <p:nvPr/>
+        </p:nvSpPr>
+        <p:spPr>
+          <a:xfrm>
+            <a:off x="0" y="369332"/>
+            <a:ext cx="6096000" cy="3539430"/>
+          </a:xfrm>
+          <a:prstGeom prst="rect">
+            <a:avLst/>
+          </a:prstGeom>
+          <a:noFill/>
+        </p:spPr>
+        <p:txBody>
+          <a:bodyPr wrap="square" rtlCol="0">
+            <a:spAutoFit/>
+          </a:bodyPr>
+          <a:lstStyle/>
+          <a:p>
+            <a:r>
+              <a:rPr lang="en-US" altLang="ko-KR" sz="1400" dirty="0"/>
+              <a:t>title core run</a:t>
+            </a:r>
+          </a:p>
+          <a:p>
+            <a:r>
+              <a:rPr lang="en-US" altLang="ko-KR" sz="1400" dirty="0"/>
+              <a:t>actor User</a:t>
+            </a:r>
+          </a:p>
+          <a:p>
+            <a:r>
+              <a:rPr lang="en-US" altLang="ko-KR" sz="1400" dirty="0"/>
+              <a:t>User-&gt;+Engine : </a:t>
+            </a:r>
+            <a:r>
+              <a:rPr lang="en-US" altLang="ko-KR" sz="1400" dirty="0" err="1"/>
+              <a:t>getCore</a:t>
+            </a:r>
+            <a:r>
+              <a:rPr lang="en-US" altLang="ko-KR" sz="1400" dirty="0"/>
+              <a:t>()</a:t>
+            </a:r>
+          </a:p>
+          <a:p>
+            <a:r>
+              <a:rPr lang="en-US" altLang="ko-KR" sz="1400" dirty="0"/>
+              <a:t>opt if not created</a:t>
+            </a:r>
+          </a:p>
+          <a:p>
+            <a:r>
+              <a:rPr lang="en-US" altLang="ko-KR" sz="1400" dirty="0"/>
+              <a:t>Engine-&gt;+Core : new</a:t>
+            </a:r>
+          </a:p>
+          <a:p>
+            <a:r>
+              <a:rPr lang="en-US" altLang="ko-KR" sz="1400" dirty="0"/>
+              <a:t>Core-&gt;-Engine : return Core</a:t>
+            </a:r>
+          </a:p>
+          <a:p>
+            <a:r>
+              <a:rPr lang="en-US" altLang="ko-KR" sz="1400" dirty="0"/>
+              <a:t>End</a:t>
+            </a:r>
+          </a:p>
+          <a:p>
+            <a:r>
+              <a:rPr lang="en-US" altLang="ko-KR" sz="1400" dirty="0"/>
+              <a:t>Engine-&gt;-User : return Core</a:t>
+            </a:r>
+          </a:p>
+          <a:p>
+            <a:r>
+              <a:rPr lang="en-US" altLang="ko-KR" sz="1400" dirty="0"/>
+              <a:t>User-&gt;+Core : run()</a:t>
+            </a:r>
+          </a:p>
+          <a:p>
+            <a:r>
+              <a:rPr lang="en-US" altLang="ko-KR" sz="1400" dirty="0"/>
+              <a:t>Core-&gt;Core : initialize()</a:t>
+            </a:r>
+          </a:p>
+          <a:p>
+            <a:r>
+              <a:rPr lang="en-US" altLang="ko-KR" sz="1400" dirty="0"/>
+              <a:t>loop time &lt; 60s</a:t>
+            </a:r>
+          </a:p>
+          <a:p>
+            <a:r>
+              <a:rPr lang="en-US" altLang="ko-KR" sz="1400" dirty="0"/>
+              <a:t>Core-&gt;Core : frame()</a:t>
+            </a:r>
+          </a:p>
+          <a:p>
+            <a:r>
+              <a:rPr lang="en-US" altLang="ko-KR" sz="1400" dirty="0"/>
+              <a:t>Core-&gt;Core : render()</a:t>
+            </a:r>
+          </a:p>
+          <a:p>
+            <a:r>
+              <a:rPr lang="en-US" altLang="ko-KR" sz="1400" dirty="0"/>
+              <a:t>End</a:t>
+            </a:r>
+          </a:p>
+          <a:p>
+            <a:r>
+              <a:rPr lang="en-US" altLang="ko-KR" sz="1400" dirty="0"/>
+              <a:t>Core-&gt;Core : release()</a:t>
+            </a:r>
+          </a:p>
+          <a:p>
+            <a:r>
+              <a:rPr lang="en-US" altLang="ko-KR" sz="1400" dirty="0"/>
+              <a:t>Core--&gt;-User : void</a:t>
+            </a:r>
+            <a:endParaRPr lang="ko-KR" altLang="en-US" sz="1400" dirty="0"/>
+          </a:p>
+        </p:txBody>
+      </p:sp>
+      <p:sp>
+        <p:nvSpPr>
+          <p:cNvPr id="7" name="TextBox 6">
+            <a:extLst>
+              <a:ext uri="{FF2B5EF4-FFF2-40B4-BE49-F238E27FC236}">
+                <a16:creationId xmlns:a16="http://schemas.microsoft.com/office/drawing/2014/main" id="{736FCFD4-77C0-0D4C-7284-86D89D3D8B49}"/>
+              </a:ext>
+            </a:extLst>
+          </p:cNvPr>
+          <p:cNvSpPr txBox="1"/>
+          <p:nvPr/>
+        </p:nvSpPr>
+        <p:spPr>
+          <a:xfrm>
+            <a:off x="0" y="0"/>
+            <a:ext cx="4723001" cy="369332"/>
+          </a:xfrm>
+          <a:prstGeom prst="rect">
+            <a:avLst/>
+          </a:prstGeom>
+          <a:noFill/>
+        </p:spPr>
+        <p:txBody>
+          <a:bodyPr wrap="square" rtlCol="0">
+            <a:spAutoFit/>
+          </a:bodyPr>
+          <a:lstStyle/>
+          <a:p>
+            <a:r>
+              <a:rPr lang="en-US" altLang="ko-KR" dirty="0"/>
+              <a:t>Core run</a:t>
+            </a:r>
+            <a:endParaRPr lang="ko-KR" altLang="en-US" dirty="0"/>
+          </a:p>
+        </p:txBody>
+      </p:sp>
+      <p:pic>
+        <p:nvPicPr>
+          <p:cNvPr id="5" name="그림 4">
+            <a:extLst>
+              <a:ext uri="{FF2B5EF4-FFF2-40B4-BE49-F238E27FC236}">
+                <a16:creationId xmlns:a16="http://schemas.microsoft.com/office/drawing/2014/main" id="{9A921DAD-643E-90E5-4AB6-FE3B67BB1C75}"/>
+              </a:ext>
+            </a:extLst>
+          </p:cNvPr>
+          <p:cNvPicPr>
+            <a:picLocks noChangeAspect="1"/>
+          </p:cNvPicPr>
+          <p:nvPr/>
+        </p:nvPicPr>
+        <p:blipFill>
+          <a:blip r:embed="rId2"/>
+          <a:stretch>
+            <a:fillRect/>
+          </a:stretch>
+        </p:blipFill>
+        <p:spPr>
+          <a:xfrm>
+            <a:off x="8472225" y="552450"/>
+            <a:ext cx="2847975" cy="5753100"/>
+          </a:xfrm>
+          <a:prstGeom prst="rect">
+            <a:avLst/>
+          </a:prstGeom>
+        </p:spPr>
+      </p:pic>
+    </p:spTree>
+    <p:extLst>
+      <p:ext uri="{BB962C8B-B14F-4D97-AF65-F5344CB8AC3E}">
+        <p14:creationId xmlns:p14="http://schemas.microsoft.com/office/powerpoint/2010/main" val="98850821"/>
+      </p:ext>
+    </p:extLst>
+  </p:cSld>
+  <p:clrMapOvr>
+    <a:masterClrMapping/>
+  </p:clrMapOvr>
+</p:sld>
+</file>
+
+<file path=ppt/slides/slide7.xml><?xml version="1.0" encoding="utf-8"?>
+<p:sld xmlns:a="http://schemas.openxmlformats.org/drawingml/2006/main" xmlns:r="http://schemas.openxmlformats.org/officeDocument/2006/relationships" xmlns:p="http://schemas.openxmlformats.org/presentationml/2006/main">
+  <p:cSld>
+    <p:spTree>
+      <p:nvGrpSpPr>
+        <p:cNvPr id="1" name=""/>
+        <p:cNvGrpSpPr/>
+        <p:nvPr/>
+      </p:nvGrpSpPr>
+      <p:grpSpPr>
+        <a:xfrm>
+          <a:off x="0" y="0"/>
+          <a:ext cx="0" cy="0"/>
+          <a:chOff x="0" y="0"/>
+          <a:chExt cx="0" cy="0"/>
+        </a:xfrm>
+      </p:grpSpPr>
+      <p:sp>
+        <p:nvSpPr>
+          <p:cNvPr id="4" name="TextBox 3">
+            <a:extLst>
+              <a:ext uri="{FF2B5EF4-FFF2-40B4-BE49-F238E27FC236}">
+                <a16:creationId xmlns:a16="http://schemas.microsoft.com/office/drawing/2014/main" id="{3B10508A-09C7-E6D0-7900-01B44E73C819}"/>
+              </a:ext>
+            </a:extLst>
+          </p:cNvPr>
+          <p:cNvSpPr txBox="1"/>
+          <p:nvPr/>
+        </p:nvSpPr>
+        <p:spPr>
+          <a:xfrm>
+            <a:off x="0" y="369332"/>
+            <a:ext cx="6096000" cy="307777"/>
+          </a:xfrm>
+          <a:prstGeom prst="rect">
+            <a:avLst/>
+          </a:prstGeom>
+          <a:noFill/>
+        </p:spPr>
+        <p:txBody>
+          <a:bodyPr wrap="square" rtlCol="0">
+            <a:spAutoFit/>
+          </a:bodyPr>
+          <a:lstStyle/>
+          <a:p>
+            <a:r>
+              <a:rPr lang="en-US" altLang="ko-KR" sz="1400" dirty="0"/>
+              <a:t>1</a:t>
+            </a:r>
+            <a:endParaRPr lang="ko-KR" altLang="en-US" sz="1400" dirty="0"/>
+          </a:p>
+        </p:txBody>
+      </p:sp>
+      <p:sp>
+        <p:nvSpPr>
+          <p:cNvPr id="7" name="TextBox 6">
+            <a:extLst>
+              <a:ext uri="{FF2B5EF4-FFF2-40B4-BE49-F238E27FC236}">
+                <a16:creationId xmlns:a16="http://schemas.microsoft.com/office/drawing/2014/main" id="{736FCFD4-77C0-0D4C-7284-86D89D3D8B49}"/>
+              </a:ext>
+            </a:extLst>
+          </p:cNvPr>
+          <p:cNvSpPr txBox="1"/>
+          <p:nvPr/>
+        </p:nvSpPr>
+        <p:spPr>
+          <a:xfrm>
+            <a:off x="0" y="0"/>
+            <a:ext cx="4723001" cy="369332"/>
+          </a:xfrm>
+          <a:prstGeom prst="rect">
+            <a:avLst/>
+          </a:prstGeom>
+          <a:noFill/>
+        </p:spPr>
+        <p:txBody>
+          <a:bodyPr wrap="square" rtlCol="0">
+            <a:spAutoFit/>
+          </a:bodyPr>
+          <a:lstStyle/>
+          <a:p>
+            <a:r>
+              <a:rPr lang="ko-KR" altLang="en-US" dirty="0"/>
+              <a:t>클래스 다이어그램 </a:t>
+            </a:r>
+            <a:r>
+              <a:rPr lang="ko-KR" altLang="en-US" dirty="0" err="1"/>
+              <a:t>캡쳐본</a:t>
+            </a:r>
+            <a:endParaRPr lang="ko-KR" altLang="en-US" dirty="0"/>
+          </a:p>
+        </p:txBody>
+      </p:sp>
+      <p:pic>
+        <p:nvPicPr>
+          <p:cNvPr id="2" name="그림 1">
+            <a:extLst>
+              <a:ext uri="{FF2B5EF4-FFF2-40B4-BE49-F238E27FC236}">
+                <a16:creationId xmlns:a16="http://schemas.microsoft.com/office/drawing/2014/main" id="{ADB0D6C2-568C-F663-39FD-3D7A0DF92303}"/>
+              </a:ext>
+            </a:extLst>
+          </p:cNvPr>
+          <p:cNvPicPr>
+            <a:picLocks noChangeAspect="1"/>
+          </p:cNvPicPr>
+          <p:nvPr/>
+        </p:nvPicPr>
+        <p:blipFill>
+          <a:blip r:embed="rId2"/>
+          <a:stretch>
+            <a:fillRect/>
+          </a:stretch>
+        </p:blipFill>
+        <p:spPr>
+          <a:xfrm>
+            <a:off x="1877695" y="889000"/>
+            <a:ext cx="7745284" cy="5080000"/>
+          </a:xfrm>
+          <a:prstGeom prst="rect">
+            <a:avLst/>
+          </a:prstGeom>
+        </p:spPr>
+      </p:pic>
+    </p:spTree>
+    <p:extLst>
+      <p:ext uri="{BB962C8B-B14F-4D97-AF65-F5344CB8AC3E}">
+        <p14:creationId xmlns:p14="http://schemas.microsoft.com/office/powerpoint/2010/main" val="4051163974"/>
+      </p:ext>
+    </p:extLst>
+  </p:cSld>
+  <p:clrMapOvr>
+    <a:masterClrMapping/>
+  </p:clrMapOvr>
+</p:sld>
+</file>
+
 <file path=ppt/theme/theme1.xml><?xml version="1.0" encoding="utf-8"?>
 <a:theme xmlns:a="http://schemas.openxmlformats.org/drawingml/2006/main" name="Office 테마">
   <a:themeElements>
